--- a/Lectures/IS452Fall2017Week01.pptx
+++ b/Lectures/IS452Fall2017Week01.pptx
@@ -12,17 +12,17 @@
     <p:sldId id="260" r:id="rId6"/>
     <p:sldId id="264" r:id="rId7"/>
     <p:sldId id="261" r:id="rId8"/>
-    <p:sldId id="272" r:id="rId9"/>
-    <p:sldId id="262" r:id="rId10"/>
+    <p:sldId id="262" r:id="rId9"/>
+    <p:sldId id="272" r:id="rId10"/>
     <p:sldId id="263" r:id="rId11"/>
     <p:sldId id="265" r:id="rId12"/>
     <p:sldId id="266" r:id="rId13"/>
     <p:sldId id="267" r:id="rId14"/>
-    <p:sldId id="269" r:id="rId15"/>
-    <p:sldId id="270" r:id="rId16"/>
-    <p:sldId id="271" r:id="rId17"/>
-    <p:sldId id="273" r:id="rId18"/>
-    <p:sldId id="274" r:id="rId19"/>
+    <p:sldId id="270" r:id="rId15"/>
+    <p:sldId id="271" r:id="rId16"/>
+    <p:sldId id="273" r:id="rId17"/>
+    <p:sldId id="274" r:id="rId18"/>
+    <p:sldId id="269" r:id="rId19"/>
     <p:sldId id="276" r:id="rId20"/>
     <p:sldId id="277" r:id="rId21"/>
     <p:sldId id="282" r:id="rId22"/>
@@ -379,7 +379,7 @@
           <a:p>
             <a:fld id="{4BDF68E2-58F2-4D09-BE8B-E3BD06533059}" type="datetimeFigureOut">
               <a:rPr lang="en-US" smtClean="0"/>
-              <a:t>8/17/17</a:t>
+              <a:t>8/29/17</a:t>
             </a:fld>
             <a:endParaRPr lang="en-US" dirty="0"/>
           </a:p>
@@ -582,7 +582,7 @@
           <a:p>
             <a:fld id="{2E2D6473-DF6D-4702-B328-E0DD40540A4E}" type="datetimeFigureOut">
               <a:rPr lang="en-US" smtClean="0"/>
-              <a:t>8/17/17</a:t>
+              <a:t>8/29/17</a:t>
             </a:fld>
             <a:endParaRPr lang="en-US" dirty="0"/>
           </a:p>
@@ -833,7 +833,7 @@
           <a:p>
             <a:fld id="{E26F7E3A-B166-407D-9866-32884E7D5B37}" type="datetimeFigureOut">
               <a:rPr lang="en-US" smtClean="0"/>
-              <a:t>8/17/17</a:t>
+              <a:t>8/29/17</a:t>
             </a:fld>
             <a:endParaRPr lang="en-US" dirty="0"/>
           </a:p>
@@ -998,7 +998,7 @@
           <a:p>
             <a:fld id="{528FC5F6-F338-4AE4-BB23-26385BCFC423}" type="datetimeFigureOut">
               <a:rPr lang="en-US" smtClean="0"/>
-              <a:t>8/17/17</a:t>
+              <a:t>8/29/17</a:t>
             </a:fld>
             <a:endParaRPr lang="en-US" dirty="0"/>
           </a:p>
@@ -1336,7 +1336,7 @@
           <a:p>
             <a:fld id="{20EBB0C4-6273-4C6E-B9BD-2EDC30F1CD52}" type="datetimeFigureOut">
               <a:rPr lang="en-US" smtClean="0"/>
-              <a:t>8/17/17</a:t>
+              <a:t>8/29/17</a:t>
             </a:fld>
             <a:endParaRPr lang="en-US" dirty="0"/>
           </a:p>
@@ -1606,7 +1606,7 @@
           <a:p>
             <a:fld id="{19AB4D41-86C1-4908-B66A-0B50CEB3BF29}" type="datetimeFigureOut">
               <a:rPr lang="en-US" smtClean="0"/>
-              <a:t>8/17/17</a:t>
+              <a:t>8/29/17</a:t>
             </a:fld>
             <a:endParaRPr lang="en-US" dirty="0"/>
           </a:p>
@@ -1980,7 +1980,7 @@
           <a:p>
             <a:fld id="{E6426E2C-56C1-4E0D-A793-0088A7FDD37E}" type="datetimeFigureOut">
               <a:rPr lang="en-US" smtClean="0"/>
-              <a:t>8/17/17</a:t>
+              <a:t>8/29/17</a:t>
             </a:fld>
             <a:endParaRPr lang="en-US" dirty="0"/>
           </a:p>
@@ -2093,7 +2093,7 @@
           <a:p>
             <a:fld id="{C8C39B41-D8B5-4052-B551-9B5525EAA8B6}" type="datetimeFigureOut">
               <a:rPr lang="en-US" smtClean="0"/>
-              <a:t>8/17/17</a:t>
+              <a:t>8/29/17</a:t>
             </a:fld>
             <a:endParaRPr lang="en-US" dirty="0"/>
           </a:p>
@@ -2259,7 +2259,7 @@
           <a:p>
             <a:fld id="{4D94136C-8742-45B2-AF27-D93DF72833A9}" type="datetimeFigureOut">
               <a:rPr lang="en-US" smtClean="0"/>
-              <a:t>8/17/17</a:t>
+              <a:t>8/29/17</a:t>
             </a:fld>
             <a:endParaRPr lang="en-US" dirty="0"/>
           </a:p>
@@ -2609,7 +2609,7 @@
           <a:p>
             <a:fld id="{32ABBEA6-7C60-4B02-AE87-00D78D8422AF}" type="datetimeFigureOut">
               <a:rPr lang="en-US" smtClean="0"/>
-              <a:t>8/17/17</a:t>
+              <a:t>8/29/17</a:t>
             </a:fld>
             <a:endParaRPr lang="en-US" dirty="0"/>
           </a:p>
@@ -2984,7 +2984,7 @@
           <a:p>
             <a:fld id="{C9CAD897-D46E-4AD2-BD9B-49DD3E640873}" type="datetimeFigureOut">
               <a:rPr lang="en-US" smtClean="0"/>
-              <a:t>8/17/17</a:t>
+              <a:t>8/29/17</a:t>
             </a:fld>
             <a:endParaRPr lang="en-US" dirty="0"/>
           </a:p>
@@ -3266,7 +3266,7 @@
           <a:p>
             <a:fld id="{98624D31-43A5-475A-80CF-332C9F6DCF35}" type="datetimeFigureOut">
               <a:rPr lang="en-US" smtClean="0"/>
-              <a:t>8/17/17</a:t>
+              <a:t>8/29/17</a:t>
             </a:fld>
             <a:endParaRPr lang="en-US" dirty="0"/>
           </a:p>
@@ -3897,9 +3897,16 @@
             <p:ph idx="1"/>
           </p:nvPr>
         </p:nvSpPr>
-        <p:spPr/>
-        <p:txBody>
-          <a:bodyPr/>
+        <p:spPr>
+          <a:xfrm>
+            <a:off x="822959" y="1845734"/>
+            <a:ext cx="7543801" cy="4471939"/>
+          </a:xfrm>
+        </p:spPr>
+        <p:txBody>
+          <a:bodyPr>
+            <a:normAutofit lnSpcReduction="10000"/>
+          </a:bodyPr>
           <a:lstStyle/>
           <a:p>
             <a:pPr>
@@ -3976,8 +3983,37 @@
             </a:r>
             <a:r>
               <a:rPr lang="en-US" dirty="0"/>
-              <a:t> page.</a:t>
-            </a:r>
+              <a:t> page</a:t>
+            </a:r>
+            <a:r>
+              <a:rPr lang="en-US" dirty="0" smtClean="0"/>
+              <a:t>.</a:t>
+            </a:r>
+          </a:p>
+          <a:p>
+            <a:pPr>
+              <a:buFont typeface="Arial" charset="0"/>
+              <a:buChar char="•"/>
+            </a:pPr>
+            <a:r>
+              <a:rPr lang="en-US" dirty="0"/>
+              <a:t> I forbid you to use the word stupid about any human in this room</a:t>
+            </a:r>
+          </a:p>
+          <a:p>
+            <a:pPr lvl="1">
+              <a:buFont typeface="Arial" charset="0"/>
+              <a:buChar char="•"/>
+            </a:pPr>
+            <a:r>
+              <a:rPr lang="en-US" dirty="0"/>
+              <a:t>But you’re free to let Python have </a:t>
+            </a:r>
+            <a:r>
+              <a:rPr lang="en-US" dirty="0" smtClean="0"/>
+              <a:t>it</a:t>
+            </a:r>
+            <a:endParaRPr lang="en-US" dirty="0"/>
           </a:p>
         </p:txBody>
       </p:sp>
@@ -4552,9 +4588,10 @@
           <a:bodyPr/>
           <a:lstStyle/>
           <a:p>
-            <a:r>
-              <a:rPr lang="en-US" dirty="0" smtClean="0"/>
-              <a:t>Buddies!</a:t>
+            <a:pPr algn="just"/>
+            <a:r>
+              <a:rPr lang="en-US" dirty="0" smtClean="0"/>
+              <a:t>How class normally works</a:t>
             </a:r>
             <a:endParaRPr lang="en-US" dirty="0"/>
           </a:p>
@@ -4572,9 +4609,7 @@
         </p:nvSpPr>
         <p:spPr/>
         <p:txBody>
-          <a:bodyPr>
-            <a:normAutofit/>
-          </a:bodyPr>
+          <a:bodyPr/>
           <a:lstStyle/>
           <a:p>
             <a:pPr>
@@ -4582,8 +4617,16 @@
               <a:buChar char="•"/>
             </a:pPr>
             <a:r>
-              <a:rPr lang="en-US" sz="2800" dirty="0" smtClean="0"/>
-              <a:t> Introduce yourself to the person sitting next to you, so pair off into duos or trios.  Start an email thread with each other to say hi.  </a:t>
+              <a:rPr lang="en-US" dirty="0" smtClean="0"/>
+              <a:t> All the lectures will be pre-written and available before class in the class </a:t>
+            </a:r>
+            <a:r>
+              <a:rPr lang="en-US" dirty="0" err="1" smtClean="0"/>
+              <a:t>github</a:t>
+            </a:r>
+            <a:r>
+              <a:rPr lang="en-US" dirty="0" smtClean="0"/>
+              <a:t> repo.  You can, but aren’t required to, read the lecture notes before class.  I sometimes am tweaking the notes just before class, so don’t depend on it being accurate until just before class.</a:t>
             </a:r>
           </a:p>
           <a:p>
@@ -4592,21 +4635,55 @@
               <a:buChar char="•"/>
             </a:pPr>
             <a:r>
-              <a:rPr lang="en-US" sz="2800" dirty="0"/>
+              <a:rPr lang="en-US" dirty="0"/>
               <a:t> </a:t>
             </a:r>
             <a:r>
-              <a:rPr lang="en-US" sz="2800" dirty="0" smtClean="0"/>
-              <a:t>You can opt out of this if you like, but here’s a group of people to compare notes or share horror stories.</a:t>
-            </a:r>
-            <a:endParaRPr lang="en-US" sz="2800" dirty="0"/>
+              <a:rPr lang="en-US" dirty="0" smtClean="0"/>
+              <a:t>I live code everything, so I will be demonstrating things live based on those lecture notes.</a:t>
+            </a:r>
+          </a:p>
+          <a:p>
+            <a:pPr>
+              <a:buFont typeface="Arial" charset="0"/>
+              <a:buChar char="•"/>
+            </a:pPr>
+            <a:r>
+              <a:rPr lang="en-US" dirty="0"/>
+              <a:t> </a:t>
+            </a:r>
+            <a:r>
+              <a:rPr lang="en-US" dirty="0" smtClean="0"/>
+              <a:t>Focus on taking notes of the concepts and patterns that I use, but keep in mind that (nearly) all the examples will be in the notes.  So don’t use your time trying to desperately copy everything I type.  Listen, observe, make the connections.  </a:t>
+            </a:r>
+          </a:p>
+          <a:p>
+            <a:pPr>
+              <a:buFont typeface="Arial" charset="0"/>
+              <a:buChar char="•"/>
+            </a:pPr>
+            <a:r>
+              <a:rPr lang="en-US" dirty="0"/>
+              <a:t> </a:t>
+            </a:r>
+            <a:r>
+              <a:rPr lang="en-US" dirty="0" smtClean="0"/>
+              <a:t>You can always look up the names and examples of what was demonstrated later.</a:t>
+            </a:r>
+          </a:p>
+          <a:p>
+            <a:pPr>
+              <a:buFont typeface="Arial" charset="0"/>
+              <a:buChar char="•"/>
+            </a:pPr>
+            <a:endParaRPr lang="en-US" dirty="0" smtClean="0"/>
           </a:p>
         </p:txBody>
       </p:sp>
     </p:spTree>
     <p:extLst>
       <p:ext uri="{BB962C8B-B14F-4D97-AF65-F5344CB8AC3E}">
-        <p14:creationId xmlns:p14="http://schemas.microsoft.com/office/powerpoint/2010/main" val="2019450952"/>
+        <p14:creationId xmlns:p14="http://schemas.microsoft.com/office/powerpoint/2010/main" val="522774345"/>
       </p:ext>
     </p:extLst>
   </p:cSld>
@@ -4645,13 +4722,14 @@
         </p:nvSpPr>
         <p:spPr/>
         <p:txBody>
-          <a:bodyPr/>
-          <a:lstStyle/>
-          <a:p>
-            <a:pPr algn="just"/>
-            <a:r>
-              <a:rPr lang="en-US" dirty="0" smtClean="0"/>
-              <a:t>How class normally works</a:t>
+          <a:bodyPr>
+            <a:normAutofit/>
+          </a:bodyPr>
+          <a:lstStyle/>
+          <a:p>
+            <a:r>
+              <a:rPr lang="en-US" dirty="0" smtClean="0"/>
+              <a:t>Installation</a:t>
             </a:r>
             <a:endParaRPr lang="en-US" dirty="0"/>
           </a:p>
@@ -4678,31 +4756,15 @@
             </a:pPr>
             <a:r>
               <a:rPr lang="en-US" dirty="0" smtClean="0"/>
-              <a:t> All the lectures will be pre-written and available before class in the class </a:t>
+              <a:t> The link is in the </a:t>
             </a:r>
             <a:r>
               <a:rPr lang="en-US" dirty="0" err="1" smtClean="0"/>
-              <a:t>github</a:t>
-            </a:r>
-            <a:r>
-              <a:rPr lang="en-US" dirty="0" smtClean="0"/>
-              <a:t> repo.  You can, but aren’t required to, read the lecture notes before class.  I sometimes am tweaking the notes just before class, so don’t depend on it being accurate </a:t>
-            </a:r>
-            <a:r>
-              <a:rPr lang="en-US" dirty="0" smtClean="0"/>
-              <a:t>until </a:t>
-            </a:r>
-            <a:r>
-              <a:rPr lang="en-US" dirty="0" smtClean="0"/>
-              <a:t>just </a:t>
-            </a:r>
-            <a:r>
-              <a:rPr lang="en-US" dirty="0" smtClean="0"/>
-              <a:t>before </a:t>
-            </a:r>
-            <a:r>
-              <a:rPr lang="en-US" dirty="0" smtClean="0"/>
-              <a:t>class.</a:t>
+              <a:t>moodle</a:t>
+            </a:r>
+            <a:r>
+              <a:rPr lang="en-US" dirty="0" smtClean="0"/>
+              <a:t>.</a:t>
             </a:r>
           </a:p>
           <a:p>
@@ -4716,7 +4778,7 @@
             </a:r>
             <a:r>
               <a:rPr lang="en-US" dirty="0" smtClean="0"/>
-              <a:t>I live code everything, so I will be demonstrating things live based on those lecture notes.</a:t>
+              <a:t>Carefully and completely follow the directions.</a:t>
             </a:r>
           </a:p>
           <a:p>
@@ -4725,41 +4787,76 @@
               <a:buChar char="•"/>
             </a:pPr>
             <a:r>
+              <a:rPr lang="en-US" dirty="0" smtClean="0"/>
+              <a:t> Nothing in there is optional, nothing in there is because I think that writing directions is fun</a:t>
+            </a:r>
+          </a:p>
+          <a:p>
+            <a:pPr>
+              <a:buFont typeface="Arial" charset="0"/>
+              <a:buChar char="•"/>
+            </a:pPr>
+            <a:r>
               <a:rPr lang="en-US" dirty="0"/>
               <a:t> </a:t>
             </a:r>
             <a:r>
               <a:rPr lang="en-US" dirty="0" smtClean="0"/>
-              <a:t>Focus on taking notes of the concepts and patterns that I use, but keep in mind that (nearly) all the examples will be in the notes.  So don’t use your time trying to desperately copy everything I type.  Listen, observe, make the connections.  </a:t>
-            </a:r>
-          </a:p>
-          <a:p>
-            <a:pPr>
-              <a:buFont typeface="Arial" charset="0"/>
-              <a:buChar char="•"/>
-            </a:pPr>
-            <a:r>
-              <a:rPr lang="en-US" dirty="0"/>
-              <a:t> </a:t>
-            </a:r>
-            <a:r>
-              <a:rPr lang="en-US" dirty="0" smtClean="0"/>
-              <a:t>You can always look up the names and examples of what was demonstrated later.</a:t>
-            </a:r>
-          </a:p>
-          <a:p>
-            <a:pPr>
-              <a:buFont typeface="Arial" charset="0"/>
-              <a:buChar char="•"/>
-            </a:pPr>
-            <a:endParaRPr lang="en-US" dirty="0" smtClean="0"/>
+              <a:t>We’ll be using:</a:t>
+            </a:r>
+          </a:p>
+          <a:p>
+            <a:pPr lvl="1">
+              <a:buFont typeface="Arial" charset="0"/>
+              <a:buChar char="•"/>
+            </a:pPr>
+            <a:r>
+              <a:rPr lang="en-US" dirty="0" smtClean="0"/>
+              <a:t>Anaconda</a:t>
+            </a:r>
+          </a:p>
+          <a:p>
+            <a:pPr lvl="2">
+              <a:buFont typeface="Arial" charset="0"/>
+              <a:buChar char="•"/>
+            </a:pPr>
+            <a:r>
+              <a:rPr lang="en-US" dirty="0" smtClean="0"/>
+              <a:t>which will install python for you</a:t>
+            </a:r>
+          </a:p>
+          <a:p>
+            <a:pPr lvl="1">
+              <a:buFont typeface="Arial" charset="0"/>
+              <a:buChar char="•"/>
+            </a:pPr>
+            <a:r>
+              <a:rPr lang="en-US" dirty="0" err="1" smtClean="0"/>
+              <a:t>PyCharm</a:t>
+            </a:r>
+            <a:r>
+              <a:rPr lang="en-US" dirty="0" smtClean="0"/>
+              <a:t> Education Edition</a:t>
+            </a:r>
+            <a:endParaRPr lang="en-US" dirty="0"/>
+          </a:p>
+          <a:p>
+            <a:pPr lvl="2">
+              <a:buFont typeface="Arial" charset="0"/>
+              <a:buChar char="•"/>
+            </a:pPr>
+            <a:r>
+              <a:rPr lang="en-US" dirty="0" smtClean="0"/>
+              <a:t>which will be the environment where you will write and run python</a:t>
+            </a:r>
+            <a:endParaRPr lang="en-US" dirty="0"/>
           </a:p>
         </p:txBody>
       </p:sp>
     </p:spTree>
     <p:extLst>
       <p:ext uri="{BB962C8B-B14F-4D97-AF65-F5344CB8AC3E}">
-        <p14:creationId xmlns:p14="http://schemas.microsoft.com/office/powerpoint/2010/main" val="522774345"/>
+        <p14:creationId xmlns:p14="http://schemas.microsoft.com/office/powerpoint/2010/main" val="1793882520"/>
       </p:ext>
     </p:extLst>
   </p:cSld>
@@ -4798,14 +4895,12 @@
         </p:nvSpPr>
         <p:spPr/>
         <p:txBody>
-          <a:bodyPr>
-            <a:normAutofit/>
-          </a:bodyPr>
-          <a:lstStyle/>
-          <a:p>
-            <a:r>
-              <a:rPr lang="en-US" dirty="0" smtClean="0"/>
-              <a:t>Installation</a:t>
+          <a:bodyPr/>
+          <a:lstStyle/>
+          <a:p>
+            <a:r>
+              <a:rPr lang="en-US" dirty="0" smtClean="0"/>
+              <a:t>Moodle</a:t>
             </a:r>
             <a:endParaRPr lang="en-US" dirty="0"/>
           </a:p>
@@ -4826,21 +4921,30 @@
           <a:bodyPr/>
           <a:lstStyle/>
           <a:p>
-            <a:pPr>
-              <a:buFont typeface="Arial" charset="0"/>
-              <a:buChar char="•"/>
-            </a:pPr>
-            <a:r>
-              <a:rPr lang="en-US" dirty="0" smtClean="0"/>
+            <a:pPr marR="0" lvl="0" defTabSz="914400" eaLnBrk="1" fontAlgn="auto" latinLnBrk="0" hangingPunct="1">
+              <a:lnSpc>
+                <a:spcPct val="100000"/>
+              </a:lnSpc>
+              <a:spcBef>
+                <a:spcPts val="0"/>
+              </a:spcBef>
+              <a:spcAft>
+                <a:spcPts val="0"/>
+              </a:spcAft>
+              <a:buClrTx/>
+              <a:buSzTx/>
+              <a:buFont typeface="Arial" charset="0"/>
+              <a:buChar char="•"/>
+              <a:tabLst/>
+              <a:defRPr/>
+            </a:pPr>
+            <a:r>
+              <a:rPr lang="en-US" dirty="0"/>
               <a:t> </a:t>
             </a:r>
             <a:r>
               <a:rPr lang="en-US" dirty="0" smtClean="0"/>
-              <a:t>The </a:t>
-            </a:r>
-            <a:r>
-              <a:rPr lang="en-US" dirty="0" smtClean="0"/>
-              <a:t>link is in the </a:t>
+              <a:t>You’re going to be a </a:t>
             </a:r>
             <a:r>
               <a:rPr lang="en-US" dirty="0" err="1" smtClean="0"/>
@@ -4848,13 +4952,26 @@
             </a:r>
             <a:r>
               <a:rPr lang="en-US" dirty="0" smtClean="0"/>
-              <a:t>.</a:t>
-            </a:r>
-          </a:p>
-          <a:p>
-            <a:pPr>
-              <a:buFont typeface="Arial" charset="0"/>
-              <a:buChar char="•"/>
+              <a:t> pro after this class</a:t>
+            </a:r>
+          </a:p>
+          <a:p>
+            <a:pPr marR="0" lvl="0" defTabSz="914400" eaLnBrk="1" fontAlgn="auto" latinLnBrk="0" hangingPunct="1">
+              <a:lnSpc>
+                <a:spcPct val="100000"/>
+              </a:lnSpc>
+              <a:spcBef>
+                <a:spcPts val="0"/>
+              </a:spcBef>
+              <a:spcAft>
+                <a:spcPts val="0"/>
+              </a:spcAft>
+              <a:buClrTx/>
+              <a:buSzTx/>
+              <a:buFont typeface="Arial" charset="0"/>
+              <a:buChar char="•"/>
+              <a:tabLst/>
+              <a:defRPr/>
             </a:pPr>
             <a:r>
               <a:rPr lang="en-US" dirty="0"/>
@@ -4862,76 +4979,7 @@
             </a:r>
             <a:r>
               <a:rPr lang="en-US" dirty="0" smtClean="0"/>
-              <a:t>Carefully and completely follow the directions.</a:t>
-            </a:r>
-          </a:p>
-          <a:p>
-            <a:pPr>
-              <a:buFont typeface="Arial" charset="0"/>
-              <a:buChar char="•"/>
-            </a:pPr>
-            <a:r>
-              <a:rPr lang="en-US" dirty="0" smtClean="0"/>
-              <a:t> Nothing in there is optional, nothing in there is because I think that writing directions is fun</a:t>
-            </a:r>
-          </a:p>
-          <a:p>
-            <a:pPr>
-              <a:buFont typeface="Arial" charset="0"/>
-              <a:buChar char="•"/>
-            </a:pPr>
-            <a:r>
-              <a:rPr lang="en-US" dirty="0"/>
-              <a:t> </a:t>
-            </a:r>
-            <a:r>
-              <a:rPr lang="en-US" dirty="0" smtClean="0"/>
-              <a:t>We’ll be using:</a:t>
-            </a:r>
-          </a:p>
-          <a:p>
-            <a:pPr lvl="1">
-              <a:buFont typeface="Arial" charset="0"/>
-              <a:buChar char="•"/>
-            </a:pPr>
-            <a:r>
-              <a:rPr lang="en-US" dirty="0" smtClean="0"/>
-              <a:t>Anaconda</a:t>
-            </a:r>
-          </a:p>
-          <a:p>
-            <a:pPr lvl="2">
-              <a:buFont typeface="Arial" charset="0"/>
-              <a:buChar char="•"/>
-            </a:pPr>
-            <a:r>
-              <a:rPr lang="en-US" dirty="0" smtClean="0"/>
-              <a:t>which will install python for you</a:t>
-            </a:r>
-          </a:p>
-          <a:p>
-            <a:pPr lvl="1">
-              <a:buFont typeface="Arial" charset="0"/>
-              <a:buChar char="•"/>
-            </a:pPr>
-            <a:r>
-              <a:rPr lang="en-US" dirty="0" err="1" smtClean="0"/>
-              <a:t>PyCharm</a:t>
-            </a:r>
-            <a:r>
-              <a:rPr lang="en-US" dirty="0" smtClean="0"/>
-              <a:t> Education Edition</a:t>
-            </a:r>
-            <a:endParaRPr lang="en-US" dirty="0"/>
-          </a:p>
-          <a:p>
-            <a:pPr lvl="2">
-              <a:buFont typeface="Arial" charset="0"/>
-              <a:buChar char="•"/>
-            </a:pPr>
-            <a:r>
-              <a:rPr lang="en-US" dirty="0" smtClean="0"/>
-              <a:t>which will be the environment where you will write and run python</a:t>
+              <a:t>Let’s do a tour and talk about where to find stuff</a:t>
             </a:r>
             <a:endParaRPr lang="en-US" dirty="0"/>
           </a:p>
@@ -4940,7 +4988,7 @@
     </p:spTree>
     <p:extLst>
       <p:ext uri="{BB962C8B-B14F-4D97-AF65-F5344CB8AC3E}">
-        <p14:creationId xmlns:p14="http://schemas.microsoft.com/office/powerpoint/2010/main" val="1793882520"/>
+        <p14:creationId xmlns:p14="http://schemas.microsoft.com/office/powerpoint/2010/main" val="82671936"/>
       </p:ext>
     </p:extLst>
   </p:cSld>
@@ -4984,7 +5032,7 @@
           <a:p>
             <a:r>
               <a:rPr lang="en-US" dirty="0" smtClean="0"/>
-              <a:t>Moodle</a:t>
+              <a:t>Backboard ground rules</a:t>
             </a:r>
             <a:endParaRPr lang="en-US" dirty="0"/>
           </a:p>
@@ -5005,22 +5053,9 @@
           <a:bodyPr/>
           <a:lstStyle/>
           <a:p>
-            <a:pPr marR="0" lvl="0" defTabSz="914400" eaLnBrk="1" fontAlgn="auto" latinLnBrk="0" hangingPunct="1">
-              <a:lnSpc>
-                <a:spcPct val="100000"/>
-              </a:lnSpc>
-              <a:spcBef>
-                <a:spcPts val="0"/>
-              </a:spcBef>
-              <a:spcAft>
-                <a:spcPts val="0"/>
-              </a:spcAft>
-              <a:buClrTx/>
-              <a:buSzTx/>
-              <a:buFont typeface="Arial" charset="0"/>
-              <a:buChar char="•"/>
-              <a:tabLst/>
-              <a:defRPr/>
+            <a:pPr>
+              <a:buFont typeface="Arial" charset="0"/>
+              <a:buChar char="•"/>
             </a:pPr>
             <a:r>
               <a:rPr lang="en-US" dirty="0"/>
@@ -5028,34 +5063,21 @@
             </a:r>
             <a:r>
               <a:rPr lang="en-US" dirty="0" smtClean="0"/>
-              <a:t>You’re going to be a </a:t>
-            </a:r>
-            <a:r>
-              <a:rPr lang="en-US" dirty="0" err="1" smtClean="0"/>
-              <a:t>moodle</a:t>
-            </a:r>
-            <a:r>
-              <a:rPr lang="en-US" dirty="0" smtClean="0"/>
-              <a:t> pro after this class</a:t>
-            </a:r>
-          </a:p>
-          <a:p>
-            <a:pPr marR="0" lvl="0" defTabSz="914400" eaLnBrk="1" fontAlgn="auto" latinLnBrk="0" hangingPunct="1">
-              <a:lnSpc>
-                <a:spcPct val="100000"/>
-              </a:lnSpc>
-              <a:spcBef>
-                <a:spcPts val="0"/>
-              </a:spcBef>
-              <a:spcAft>
-                <a:spcPts val="0"/>
-              </a:spcAft>
-              <a:buClrTx/>
-              <a:buSzTx/>
-              <a:buFont typeface="Arial" charset="0"/>
-              <a:buChar char="•"/>
-              <a:tabLst/>
-              <a:defRPr/>
+              <a:t>Keep </a:t>
+            </a:r>
+            <a:r>
+              <a:rPr lang="en-US" dirty="0"/>
+              <a:t>the side chatter in the chat to a minimum, but feel free to interrupt with </a:t>
+            </a:r>
+            <a:r>
+              <a:rPr lang="en-US" dirty="0" smtClean="0"/>
+              <a:t>questions.</a:t>
+            </a:r>
+          </a:p>
+          <a:p>
+            <a:pPr>
+              <a:buFont typeface="Arial" charset="0"/>
+              <a:buChar char="•"/>
             </a:pPr>
             <a:r>
               <a:rPr lang="en-US" dirty="0"/>
@@ -5063,16 +5085,117 @@
             </a:r>
             <a:r>
               <a:rPr lang="en-US" dirty="0" smtClean="0"/>
-              <a:t>Let’s do a tour and talk about where to find stuff</a:t>
-            </a:r>
-            <a:endParaRPr lang="en-US" dirty="0"/>
+              <a:t>Question tips:</a:t>
+            </a:r>
+          </a:p>
+          <a:p>
+            <a:pPr lvl="1">
+              <a:buFont typeface="Arial" charset="0"/>
+              <a:buChar char="•"/>
+            </a:pPr>
+            <a:r>
+              <a:rPr lang="en-US" dirty="0" smtClean="0"/>
+              <a:t>go </a:t>
+            </a:r>
+            <a:r>
+              <a:rPr lang="en-US" dirty="0"/>
+              <a:t>for specific questions about </a:t>
+            </a:r>
+            <a:r>
+              <a:rPr lang="en-US" dirty="0" smtClean="0"/>
+              <a:t>the </a:t>
+            </a:r>
+            <a:r>
+              <a:rPr lang="en-US" dirty="0"/>
+              <a:t>topic at hand</a:t>
+            </a:r>
+            <a:r>
+              <a:rPr lang="en-US" dirty="0" smtClean="0"/>
+              <a:t>.</a:t>
+            </a:r>
+          </a:p>
+          <a:p>
+            <a:pPr lvl="1">
+              <a:buFont typeface="Arial" charset="0"/>
+              <a:buChar char="•"/>
+            </a:pPr>
+            <a:r>
+              <a:rPr lang="en-US" dirty="0" smtClean="0"/>
+              <a:t>keep </a:t>
+            </a:r>
+            <a:r>
+              <a:rPr lang="en-US" dirty="0"/>
+              <a:t>a running list of questions about things you hope I'll get to. Ask those when I open the </a:t>
+            </a:r>
+            <a:r>
+              <a:rPr lang="en-US" dirty="0" smtClean="0"/>
+              <a:t>floor.</a:t>
+            </a:r>
+          </a:p>
+          <a:p>
+            <a:pPr lvl="1">
+              <a:buFont typeface="Arial" charset="0"/>
+              <a:buChar char="•"/>
+            </a:pPr>
+            <a:r>
+              <a:rPr lang="en-US" dirty="0" smtClean="0"/>
+              <a:t>This </a:t>
+            </a:r>
+            <a:r>
+              <a:rPr lang="en-US" dirty="0"/>
+              <a:t>seems a little cruel, but it keeps things on pace.  </a:t>
+            </a:r>
+            <a:r>
+              <a:rPr lang="en-US" dirty="0" smtClean="0"/>
+              <a:t>Constantly </a:t>
+            </a:r>
+            <a:r>
+              <a:rPr lang="en-US" dirty="0"/>
+              <a:t>reading questions and replying "We'll be talking about that soon" eats away at the little class time we </a:t>
+            </a:r>
+            <a:r>
+              <a:rPr lang="en-US" dirty="0" smtClean="0"/>
+              <a:t>have.</a:t>
+            </a:r>
+          </a:p>
+          <a:p>
+            <a:pPr lvl="1">
+              <a:buFont typeface="Arial" charset="0"/>
+              <a:buChar char="•"/>
+            </a:pPr>
+            <a:r>
+              <a:rPr lang="en-US" dirty="0" smtClean="0"/>
+              <a:t>Feel </a:t>
+            </a:r>
+            <a:r>
+              <a:rPr lang="en-US" dirty="0"/>
+              <a:t>free to email me things you'll hope we cover in class or other types of </a:t>
+            </a:r>
+            <a:r>
+              <a:rPr lang="en-US" dirty="0" smtClean="0"/>
+              <a:t>questions.</a:t>
+            </a:r>
+          </a:p>
+          <a:p>
+            <a:pPr lvl="1">
+              <a:buFont typeface="Arial" charset="0"/>
+              <a:buChar char="•"/>
+            </a:pPr>
+            <a:r>
+              <a:rPr lang="en-US" dirty="0" smtClean="0"/>
+              <a:t>When </a:t>
+            </a:r>
+            <a:r>
+              <a:rPr lang="en-US" dirty="0"/>
+              <a:t>we start digging in more I'll have polls for class questions.</a:t>
+            </a:r>
           </a:p>
         </p:txBody>
       </p:sp>
     </p:spTree>
     <p:extLst>
       <p:ext uri="{BB962C8B-B14F-4D97-AF65-F5344CB8AC3E}">
-        <p14:creationId xmlns:p14="http://schemas.microsoft.com/office/powerpoint/2010/main" val="82671936"/>
+        <p14:creationId xmlns:p14="http://schemas.microsoft.com/office/powerpoint/2010/main" val="931412324"/>
       </p:ext>
     </p:extLst>
   </p:cSld>
@@ -5116,7 +5239,7 @@
           <a:p>
             <a:r>
               <a:rPr lang="en-US" dirty="0" smtClean="0"/>
-              <a:t>Backboard ground rules</a:t>
+              <a:t>Buddies!</a:t>
             </a:r>
             <a:endParaRPr lang="en-US" dirty="0"/>
           </a:p>
@@ -5134,7 +5257,9 @@
         </p:nvSpPr>
         <p:spPr/>
         <p:txBody>
-          <a:bodyPr/>
+          <a:bodyPr>
+            <a:normAutofit/>
+          </a:bodyPr>
           <a:lstStyle/>
           <a:p>
             <a:pPr>
@@ -5142,144 +5267,31 @@
               <a:buChar char="•"/>
             </a:pPr>
             <a:r>
-              <a:rPr lang="en-US" dirty="0"/>
+              <a:rPr lang="en-US" sz="2800" dirty="0" smtClean="0"/>
+              <a:t> Introduce yourself to the person sitting next to you, so pair off into duos or trios.  Start an email thread with each other to say hi.  </a:t>
+            </a:r>
+          </a:p>
+          <a:p>
+            <a:pPr>
+              <a:buFont typeface="Arial" charset="0"/>
+              <a:buChar char="•"/>
+            </a:pPr>
+            <a:r>
+              <a:rPr lang="en-US" sz="2800" dirty="0"/>
               <a:t> </a:t>
             </a:r>
             <a:r>
-              <a:rPr lang="en-US" dirty="0" smtClean="0"/>
-              <a:t>Keep </a:t>
-            </a:r>
-            <a:r>
-              <a:rPr lang="en-US" dirty="0"/>
-              <a:t>the side chatter in the chat to a minimum, but feel free to interrupt with </a:t>
-            </a:r>
-            <a:r>
-              <a:rPr lang="en-US" dirty="0" smtClean="0"/>
-              <a:t>questions.</a:t>
-            </a:r>
-          </a:p>
-          <a:p>
-            <a:pPr>
-              <a:buFont typeface="Arial" charset="0"/>
-              <a:buChar char="•"/>
-            </a:pPr>
-            <a:r>
-              <a:rPr lang="en-US" dirty="0"/>
-              <a:t> </a:t>
-            </a:r>
-            <a:r>
-              <a:rPr lang="en-US" dirty="0" smtClean="0"/>
-              <a:t>Question tips:</a:t>
-            </a:r>
-          </a:p>
-          <a:p>
-            <a:pPr lvl="1">
-              <a:buFont typeface="Arial" charset="0"/>
-              <a:buChar char="•"/>
-            </a:pPr>
-            <a:r>
-              <a:rPr lang="en-US" dirty="0" smtClean="0"/>
-              <a:t>go </a:t>
-            </a:r>
-            <a:r>
-              <a:rPr lang="en-US" dirty="0"/>
-              <a:t>for specific questions about </a:t>
-            </a:r>
-            <a:r>
-              <a:rPr lang="en-US" dirty="0" smtClean="0"/>
-              <a:t>the </a:t>
-            </a:r>
-            <a:r>
-              <a:rPr lang="en-US" dirty="0"/>
-              <a:t>topic at hand</a:t>
-            </a:r>
-            <a:r>
-              <a:rPr lang="en-US" dirty="0" smtClean="0"/>
-              <a:t>.</a:t>
-            </a:r>
-          </a:p>
-          <a:p>
-            <a:pPr lvl="1">
-              <a:buFont typeface="Arial" charset="0"/>
-              <a:buChar char="•"/>
-            </a:pPr>
-            <a:r>
-              <a:rPr lang="en-US" dirty="0" smtClean="0"/>
-              <a:t>keep </a:t>
-            </a:r>
-            <a:r>
-              <a:rPr lang="en-US" dirty="0"/>
-              <a:t>a running list of questions about things you hope I'll get to. Ask those when I open the </a:t>
-            </a:r>
-            <a:r>
-              <a:rPr lang="en-US" dirty="0" smtClean="0"/>
-              <a:t>floor.</a:t>
-            </a:r>
-          </a:p>
-          <a:p>
-            <a:pPr lvl="1">
-              <a:buFont typeface="Arial" charset="0"/>
-              <a:buChar char="•"/>
-            </a:pPr>
-            <a:r>
-              <a:rPr lang="en-US" dirty="0" smtClean="0"/>
-              <a:t>This </a:t>
-            </a:r>
-            <a:r>
-              <a:rPr lang="en-US" dirty="0"/>
-              <a:t>seems a little cruel, but it keeps things on pace.  </a:t>
-            </a:r>
-            <a:r>
-              <a:rPr lang="en-US" dirty="0" smtClean="0"/>
-              <a:t>Constantly </a:t>
-            </a:r>
-            <a:r>
-              <a:rPr lang="en-US" dirty="0"/>
-              <a:t>reading questions and replying "We'll be talking about that soon" eats away at the little class time we </a:t>
-            </a:r>
-            <a:r>
-              <a:rPr lang="en-US" dirty="0" smtClean="0"/>
-              <a:t>have.</a:t>
-            </a:r>
-          </a:p>
-          <a:p>
-            <a:pPr lvl="1">
-              <a:buFont typeface="Arial" charset="0"/>
-              <a:buChar char="•"/>
-            </a:pPr>
-            <a:r>
-              <a:rPr lang="en-US" dirty="0" smtClean="0"/>
-              <a:t>Feel </a:t>
-            </a:r>
-            <a:r>
-              <a:rPr lang="en-US" dirty="0"/>
-              <a:t>free to email me things you'll hope we cover in class or other types of </a:t>
-            </a:r>
-            <a:r>
-              <a:rPr lang="en-US" dirty="0" smtClean="0"/>
-              <a:t>questions.</a:t>
-            </a:r>
-          </a:p>
-          <a:p>
-            <a:pPr lvl="1">
-              <a:buFont typeface="Arial" charset="0"/>
-              <a:buChar char="•"/>
-            </a:pPr>
-            <a:r>
-              <a:rPr lang="en-US" dirty="0" smtClean="0"/>
-              <a:t>When </a:t>
-            </a:r>
-            <a:r>
-              <a:rPr lang="en-US" dirty="0"/>
-              <a:t>we start digging in more I'll have polls for class questions.</a:t>
-            </a:r>
+              <a:rPr lang="en-US" sz="2800" dirty="0" smtClean="0"/>
+              <a:t>You can opt out of this if you like, but here’s a group of people to compare notes or share horror stories.</a:t>
+            </a:r>
+            <a:endParaRPr lang="en-US" sz="2800" dirty="0"/>
           </a:p>
         </p:txBody>
       </p:sp>
     </p:spTree>
     <p:extLst>
       <p:ext uri="{BB962C8B-B14F-4D97-AF65-F5344CB8AC3E}">
-        <p14:creationId xmlns:p14="http://schemas.microsoft.com/office/powerpoint/2010/main" val="931412324"/>
+        <p14:creationId xmlns:p14="http://schemas.microsoft.com/office/powerpoint/2010/main" val="2019450952"/>
       </p:ext>
     </p:extLst>
   </p:cSld>
@@ -5323,11 +5335,7 @@
           <a:p>
             <a:r>
               <a:rPr lang="en-US" dirty="0" smtClean="0"/>
-              <a:t>Learning Strategies for Technical </a:t>
-            </a:r>
-            <a:r>
-              <a:rPr lang="en-US" dirty="0" smtClean="0"/>
-              <a:t>Skills,</a:t>
+              <a:t>Learning Strategies for Technical Skills,</a:t>
             </a:r>
             <a:endParaRPr lang="en-US" dirty="0"/>
           </a:p>
@@ -5357,13 +5365,8 @@
           <a:p>
             <a:r>
               <a:rPr lang="en-US" sz="3200" dirty="0" smtClean="0"/>
-              <a:t>Or: learning how to learn </a:t>
-            </a:r>
-            <a:r>
-              <a:rPr lang="en-US" sz="3200" dirty="0" smtClean="0"/>
-              <a:t>programming</a:t>
-            </a:r>
-            <a:endParaRPr lang="en-US" sz="3200" dirty="0" smtClean="0"/>
+              <a:t>Or: learning how to learn programming</a:t>
+            </a:r>
           </a:p>
         </p:txBody>
       </p:sp>
@@ -5518,8 +5521,23 @@
             </a:r>
             <a:r>
               <a:rPr lang="en-US" sz="2400" dirty="0" smtClean="0"/>
-              <a:t> grad</a:t>
-            </a:r>
+              <a:t> </a:t>
+            </a:r>
+            <a:r>
+              <a:rPr lang="en-US" sz="2400" dirty="0" smtClean="0"/>
+              <a:t>grad</a:t>
+            </a:r>
+          </a:p>
+          <a:p>
+            <a:pPr lvl="2">
+              <a:buFont typeface="Arial" charset="0"/>
+              <a:buChar char="•"/>
+            </a:pPr>
+            <a:r>
+              <a:rPr lang="en-US" sz="2400" dirty="0" smtClean="0"/>
+              <a:t>(he’s in California!)</a:t>
+            </a:r>
+            <a:endParaRPr lang="en-US" sz="2400" dirty="0" smtClean="0"/>
           </a:p>
         </p:txBody>
       </p:sp>
@@ -6201,23 +6219,7 @@
           <a:p>
             <a:r>
               <a:rPr lang="en-US" sz="2100" dirty="0"/>
-              <a:t>Our knowledge web breaks apart and we have </a:t>
-            </a:r>
-            <a:r>
-              <a:rPr lang="en-US" sz="2100" dirty="0"/>
-              <a:t>a set </a:t>
-            </a:r>
-            <a:r>
-              <a:rPr lang="en-US" sz="2100" dirty="0"/>
-              <a:t>of </a:t>
-            </a:r>
-            <a:r>
-              <a:rPr lang="en-US" sz="2100" dirty="0"/>
-              <a:t>incomplete and unconnected </a:t>
-            </a:r>
-            <a:r>
-              <a:rPr lang="en-US" sz="2100" dirty="0"/>
-              <a:t>nodes</a:t>
+              <a:t>Our knowledge web breaks apart and we have a set of incomplete and unconnected nodes</a:t>
             </a:r>
           </a:p>
           <a:p>
@@ -6251,15 +6253,7 @@
           <a:p>
             <a:r>
               <a:rPr lang="en-US" sz="2100" dirty="0"/>
-              <a:t>I</a:t>
-            </a:r>
-            <a:r>
-              <a:rPr lang="en-US" sz="2100" dirty="0"/>
-              <a:t>f </a:t>
-            </a:r>
-            <a:r>
-              <a:rPr lang="en-US" sz="2100" dirty="0"/>
-              <a:t>all materials start at square 5, but you're at square 1</a:t>
+              <a:t>If all materials start at square 5, but you're at square 1</a:t>
             </a:r>
           </a:p>
           <a:p>
@@ -7241,21 +7235,8 @@
             </a:r>
             <a:r>
               <a:rPr lang="en-US" dirty="0" smtClean="0"/>
-              <a:t>There will be some explicit omissions:  object oriented design</a:t>
-            </a:r>
-            <a:r>
-              <a:rPr lang="en-US" dirty="0" smtClean="0"/>
-              <a:t>, scientific programming, </a:t>
-            </a:r>
-            <a:r>
-              <a:rPr lang="en-US" dirty="0" smtClean="0"/>
-              <a:t>pandas, graphical </a:t>
-            </a:r>
-            <a:r>
-              <a:rPr lang="en-US" dirty="0" smtClean="0"/>
-              <a:t>interfaces, games, etc.</a:t>
-            </a:r>
-            <a:endParaRPr lang="en-US" dirty="0" smtClean="0"/>
+              <a:t>There will be some explicit omissions:  object oriented design, scientific programming, pandas, graphical interfaces, games, etc.</a:t>
+            </a:r>
           </a:p>
           <a:p>
             <a:pPr>
@@ -9097,7 +9078,7 @@
               <a:buChar char="•"/>
             </a:pPr>
             <a:r>
-              <a:rPr lang="en-US" sz="2600" dirty="0" smtClean="0"/>
+              <a:rPr lang="en-US" sz="2600" b="1" dirty="0" smtClean="0"/>
               <a:t>Recognize a programming problem when you have one</a:t>
             </a:r>
           </a:p>
@@ -9107,7 +9088,7 @@
               <a:buChar char="•"/>
             </a:pPr>
             <a:r>
-              <a:rPr lang="en-US" sz="2600" dirty="0" smtClean="0"/>
+              <a:rPr lang="en-US" sz="2600" b="1" dirty="0" smtClean="0"/>
               <a:t>Assess how to tackle it</a:t>
             </a:r>
           </a:p>
@@ -9117,10 +9098,10 @@
               <a:buChar char="•"/>
             </a:pPr>
             <a:r>
-              <a:rPr lang="en-US" sz="2600" dirty="0" smtClean="0"/>
+              <a:rPr lang="en-US" sz="2600" b="1" dirty="0" smtClean="0"/>
               <a:t>And be able to do it yourself (and know when it’s time to say no)</a:t>
             </a:r>
-            <a:endParaRPr lang="en-US" sz="2600" dirty="0"/>
+            <a:endParaRPr lang="en-US" sz="2600" b="1" dirty="0"/>
           </a:p>
         </p:txBody>
       </p:sp>
@@ -9508,11 +9489,7 @@
             </a:pPr>
             <a:r>
               <a:rPr lang="en-US" dirty="0" smtClean="0"/>
-              <a:t>Short </a:t>
-            </a:r>
-            <a:r>
-              <a:rPr lang="en-US" dirty="0" smtClean="0"/>
-              <a:t>weekly quizzes on that week’s content (10 questions, 3 attempts)</a:t>
+              <a:t>Short weekly quizzes on that week’s content (10 questions, 3 attempts)</a:t>
             </a:r>
           </a:p>
           <a:p>
@@ -9522,13 +9499,8 @@
             </a:pPr>
             <a:r>
               <a:rPr lang="en-US" dirty="0" smtClean="0"/>
-              <a:t>Weekly </a:t>
-            </a:r>
-            <a:r>
-              <a:rPr lang="en-US" dirty="0" smtClean="0"/>
-              <a:t>homework assignments </a:t>
-            </a:r>
-            <a:endParaRPr lang="en-US" dirty="0" smtClean="0"/>
+              <a:t>Weekly homework assignments </a:t>
+            </a:r>
           </a:p>
           <a:p>
             <a:pPr lvl="1">
@@ -9537,11 +9509,7 @@
             </a:pPr>
             <a:r>
               <a:rPr lang="en-US" dirty="0" smtClean="0"/>
-              <a:t>2 </a:t>
-            </a:r>
-            <a:r>
-              <a:rPr lang="en-US" dirty="0" smtClean="0"/>
-              <a:t>of 3 research essays due periodically (weeks 4, 12, and 15)</a:t>
+              <a:t>2 of 3 research essays due periodically (weeks 4, 12, and 15)</a:t>
             </a:r>
           </a:p>
           <a:p>
@@ -9551,11 +9519,7 @@
             </a:pPr>
             <a:r>
               <a:rPr lang="en-US" dirty="0" smtClean="0"/>
-              <a:t>Midterm </a:t>
-            </a:r>
-            <a:r>
-              <a:rPr lang="en-US" dirty="0" smtClean="0"/>
-              <a:t>programming project that includes 2 long narrative problems</a:t>
+              <a:t>Midterm programming project that includes 2 long narrative problems</a:t>
             </a:r>
           </a:p>
           <a:p>
@@ -9567,7 +9531,6 @@
               <a:rPr lang="en-US" dirty="0" smtClean="0"/>
               <a:t>Final project</a:t>
             </a:r>
-            <a:endParaRPr lang="en-US" dirty="0" smtClean="0"/>
           </a:p>
         </p:txBody>
       </p:sp>
@@ -9942,15 +9905,7 @@
             </a:r>
             <a:r>
               <a:rPr lang="en-US" dirty="0" smtClean="0"/>
-              <a:t>Presuming that you can maintain 100% on the other areas, you just need to maintain at least a </a:t>
-            </a:r>
-            <a:r>
-              <a:rPr lang="en-US" dirty="0" smtClean="0"/>
-              <a:t>~76% </a:t>
-            </a:r>
-            <a:r>
-              <a:rPr lang="en-US" dirty="0" smtClean="0"/>
-              <a:t>average on the weekly homework to keep your A.  There’s plenty of extra credit to keep that score up.</a:t>
+              <a:t>Presuming that you can maintain 100% on the other areas, you just need to maintain at least a ~76% average on the weekly homework to keep your A.  There’s plenty of extra credit to keep that score up.</a:t>
             </a:r>
           </a:p>
           <a:p>
@@ -10017,7 +9972,7 @@
           <a:p>
             <a:r>
               <a:rPr lang="en-US" dirty="0" smtClean="0"/>
-              <a:t>This class requires time</a:t>
+              <a:t>Late and extension polices</a:t>
             </a:r>
             <a:endParaRPr lang="en-US" dirty="0"/>
           </a:p>
@@ -10035,7 +9990,9 @@
         </p:nvSpPr>
         <p:spPr/>
         <p:txBody>
-          <a:bodyPr/>
+          <a:bodyPr>
+            <a:noAutofit/>
+          </a:bodyPr>
           <a:lstStyle/>
           <a:p>
             <a:pPr>
@@ -10043,8 +10000,8 @@
               <a:buChar char="•"/>
             </a:pPr>
             <a:r>
-              <a:rPr lang="en-US" dirty="0" smtClean="0"/>
-              <a:t> 452 requires consistent time throughout each week to be successful</a:t>
+              <a:rPr lang="en-US" sz="2400" dirty="0" smtClean="0"/>
+              <a:t> The following things only apply to the weekly homework </a:t>
             </a:r>
           </a:p>
           <a:p>
@@ -10053,101 +10010,44 @@
               <a:buChar char="•"/>
             </a:pPr>
             <a:r>
-              <a:rPr lang="en-US" dirty="0"/>
+              <a:rPr lang="en-US" sz="2400" dirty="0" smtClean="0"/>
+              <a:t> Homework is due at 11:55pm, but anything before 8am is fine</a:t>
+            </a:r>
+          </a:p>
+          <a:p>
+            <a:pPr>
+              <a:buFont typeface="Arial" charset="0"/>
+              <a:buChar char="•"/>
+            </a:pPr>
+            <a:r>
+              <a:rPr lang="en-US" sz="2400" dirty="0"/>
+              <a:t> Homework assignments may be turned in up to 2 days late (a ‘day’ is the 24 hour period after an assignment is due), with a 10% penalty for each day late</a:t>
+            </a:r>
+            <a:r>
+              <a:rPr lang="en-US" sz="2400" dirty="0" smtClean="0"/>
+              <a:t>.</a:t>
+            </a:r>
+          </a:p>
+          <a:p>
+            <a:pPr>
+              <a:buFont typeface="Arial" charset="0"/>
+              <a:buChar char="•"/>
+            </a:pPr>
+            <a:r>
+              <a:rPr lang="en-US" sz="2400" dirty="0"/>
               <a:t> </a:t>
             </a:r>
             <a:r>
-              <a:rPr lang="en-US" dirty="0" smtClean="0"/>
-              <a:t>Everything is doable! </a:t>
-            </a:r>
-          </a:p>
-          <a:p>
-            <a:pPr>
-              <a:buFont typeface="Arial" charset="0"/>
-              <a:buChar char="•"/>
-            </a:pPr>
-            <a:r>
-              <a:rPr lang="en-US" dirty="0"/>
-              <a:t> </a:t>
-            </a:r>
-            <a:r>
-              <a:rPr lang="en-US" dirty="0" smtClean="0"/>
-              <a:t>You </a:t>
-            </a:r>
-            <a:r>
-              <a:rPr lang="en-US" b="1" dirty="0" smtClean="0"/>
-              <a:t>will</a:t>
-            </a:r>
-            <a:r>
-              <a:rPr lang="en-US" dirty="0" smtClean="0"/>
-              <a:t> survive</a:t>
-            </a:r>
-          </a:p>
-          <a:p>
-            <a:pPr>
-              <a:buFont typeface="Arial" charset="0"/>
-              <a:buChar char="•"/>
-            </a:pPr>
-            <a:r>
-              <a:rPr lang="en-US" dirty="0"/>
-              <a:t> </a:t>
-            </a:r>
-            <a:r>
-              <a:rPr lang="en-US" dirty="0" smtClean="0"/>
-              <a:t>You </a:t>
-            </a:r>
-            <a:r>
-              <a:rPr lang="en-US" b="1" dirty="0" smtClean="0"/>
-              <a:t>will</a:t>
-            </a:r>
-            <a:r>
-              <a:rPr lang="en-US" dirty="0" smtClean="0"/>
-              <a:t> do well</a:t>
-            </a:r>
-          </a:p>
-          <a:p>
-            <a:pPr>
-              <a:buFont typeface="Arial" charset="0"/>
-              <a:buChar char="•"/>
-            </a:pPr>
-            <a:r>
-              <a:rPr lang="en-US" dirty="0"/>
-              <a:t> </a:t>
-            </a:r>
-            <a:r>
-              <a:rPr lang="en-US" dirty="0" smtClean="0"/>
-              <a:t>You </a:t>
-            </a:r>
-            <a:r>
-              <a:rPr lang="en-US" b="1" dirty="0" smtClean="0"/>
-              <a:t>will</a:t>
-            </a:r>
-            <a:r>
-              <a:rPr lang="en-US" dirty="0" smtClean="0"/>
-              <a:t> learn a lot</a:t>
-            </a:r>
-          </a:p>
-          <a:p>
-            <a:pPr>
-              <a:buFont typeface="Arial" charset="0"/>
-              <a:buChar char="•"/>
-            </a:pPr>
-            <a:r>
-              <a:rPr lang="en-US" dirty="0"/>
-              <a:t> </a:t>
-            </a:r>
-            <a:r>
-              <a:rPr lang="en-US" dirty="0" smtClean="0"/>
-              <a:t>Let’s go over some strategies for success </a:t>
-            </a:r>
-            <a:endParaRPr lang="en-US" dirty="0"/>
+              <a:rPr lang="en-US" sz="2400" dirty="0" smtClean="0"/>
+              <a:t>You also can use up to 3 extensions which give you an extra 5 days to turn it in without penalty.  These are tracked in an ungraded assignment, and you don’t need to explain why you need to use them.  Just email me that you need one.</a:t>
+            </a:r>
           </a:p>
         </p:txBody>
       </p:sp>
     </p:spTree>
     <p:extLst>
       <p:ext uri="{BB962C8B-B14F-4D97-AF65-F5344CB8AC3E}">
-        <p14:creationId xmlns:p14="http://schemas.microsoft.com/office/powerpoint/2010/main" val="1126043421"/>
+        <p14:creationId xmlns:p14="http://schemas.microsoft.com/office/powerpoint/2010/main" val="1638196476"/>
       </p:ext>
     </p:extLst>
   </p:cSld>
@@ -10191,7 +10091,7 @@
           <a:p>
             <a:r>
               <a:rPr lang="en-US" dirty="0" smtClean="0"/>
-              <a:t>Late and extension polices</a:t>
+              <a:t>This class requires time</a:t>
             </a:r>
             <a:endParaRPr lang="en-US" dirty="0"/>
           </a:p>
@@ -10209,9 +10109,7 @@
         </p:nvSpPr>
         <p:spPr/>
         <p:txBody>
-          <a:bodyPr>
-            <a:noAutofit/>
-          </a:bodyPr>
+          <a:bodyPr/>
           <a:lstStyle/>
           <a:p>
             <a:pPr>
@@ -10219,8 +10117,8 @@
               <a:buChar char="•"/>
             </a:pPr>
             <a:r>
-              <a:rPr lang="en-US" sz="2400" dirty="0" smtClean="0"/>
-              <a:t> The following things only apply to the weekly homework </a:t>
+              <a:rPr lang="en-US" dirty="0" smtClean="0"/>
+              <a:t> 452 requires consistent time throughout each week to be successful</a:t>
             </a:r>
           </a:p>
           <a:p>
@@ -10229,8 +10127,12 @@
               <a:buChar char="•"/>
             </a:pPr>
             <a:r>
-              <a:rPr lang="en-US" sz="2400" dirty="0" smtClean="0"/>
-              <a:t> Homework is due at 11:55pm, but anything before 8am is fine</a:t>
+              <a:rPr lang="en-US" dirty="0"/>
+              <a:t> </a:t>
+            </a:r>
+            <a:r>
+              <a:rPr lang="en-US" dirty="0" smtClean="0"/>
+              <a:t>Everything is doable! </a:t>
             </a:r>
           </a:p>
           <a:p>
@@ -10239,12 +10141,20 @@
               <a:buChar char="•"/>
             </a:pPr>
             <a:r>
-              <a:rPr lang="en-US" sz="2400" dirty="0"/>
-              <a:t> Homework assignments may be turned in up to 2 days late (a ‘day’ is the 24 hour period after an assignment is due), with a 10% penalty for each day late</a:t>
-            </a:r>
-            <a:r>
-              <a:rPr lang="en-US" sz="2400" dirty="0" smtClean="0"/>
-              <a:t>.</a:t>
+              <a:rPr lang="en-US" dirty="0"/>
+              <a:t> </a:t>
+            </a:r>
+            <a:r>
+              <a:rPr lang="en-US" dirty="0" smtClean="0"/>
+              <a:t>You </a:t>
+            </a:r>
+            <a:r>
+              <a:rPr lang="en-US" b="1" dirty="0" smtClean="0"/>
+              <a:t>will</a:t>
+            </a:r>
+            <a:r>
+              <a:rPr lang="en-US" dirty="0" smtClean="0"/>
+              <a:t> survive</a:t>
             </a:r>
           </a:p>
           <a:p>
@@ -10253,25 +10163,65 @@
               <a:buChar char="•"/>
             </a:pPr>
             <a:r>
-              <a:rPr lang="en-US" sz="2400" dirty="0"/>
+              <a:rPr lang="en-US" dirty="0"/>
               <a:t> </a:t>
             </a:r>
             <a:r>
-              <a:rPr lang="en-US" sz="2400" dirty="0" smtClean="0"/>
-              <a:t>You also can use up to 3 extensions which give you an extra 5 days to turn it in without penalty.  These are tracked in an ungraded assignment, and you don’t need to explain why you need to use them</a:t>
-            </a:r>
-            <a:r>
-              <a:rPr lang="en-US" sz="2400" dirty="0" smtClean="0"/>
-              <a:t>.  Just email me that you need one.</a:t>
-            </a:r>
-            <a:endParaRPr lang="en-US" sz="2400" dirty="0" smtClean="0"/>
+              <a:rPr lang="en-US" dirty="0" smtClean="0"/>
+              <a:t>You </a:t>
+            </a:r>
+            <a:r>
+              <a:rPr lang="en-US" b="1" dirty="0" smtClean="0"/>
+              <a:t>will</a:t>
+            </a:r>
+            <a:r>
+              <a:rPr lang="en-US" dirty="0" smtClean="0"/>
+              <a:t> do well</a:t>
+            </a:r>
+          </a:p>
+          <a:p>
+            <a:pPr>
+              <a:buFont typeface="Arial" charset="0"/>
+              <a:buChar char="•"/>
+            </a:pPr>
+            <a:r>
+              <a:rPr lang="en-US" dirty="0"/>
+              <a:t> </a:t>
+            </a:r>
+            <a:r>
+              <a:rPr lang="en-US" dirty="0" smtClean="0"/>
+              <a:t>You </a:t>
+            </a:r>
+            <a:r>
+              <a:rPr lang="en-US" b="1" dirty="0" smtClean="0"/>
+              <a:t>will</a:t>
+            </a:r>
+            <a:r>
+              <a:rPr lang="en-US" dirty="0" smtClean="0"/>
+              <a:t> learn a lot</a:t>
+            </a:r>
+          </a:p>
+          <a:p>
+            <a:pPr>
+              <a:buFont typeface="Arial" charset="0"/>
+              <a:buChar char="•"/>
+            </a:pPr>
+            <a:r>
+              <a:rPr lang="en-US" dirty="0"/>
+              <a:t> </a:t>
+            </a:r>
+            <a:r>
+              <a:rPr lang="en-US" dirty="0" smtClean="0"/>
+              <a:t>Let’s go over some strategies for success </a:t>
+            </a:r>
+            <a:endParaRPr lang="en-US" dirty="0" smtClean="0"/>
           </a:p>
         </p:txBody>
       </p:sp>
     </p:spTree>
     <p:extLst>
       <p:ext uri="{BB962C8B-B14F-4D97-AF65-F5344CB8AC3E}">
-        <p14:creationId xmlns:p14="http://schemas.microsoft.com/office/powerpoint/2010/main" val="1638196476"/>
+        <p14:creationId xmlns:p14="http://schemas.microsoft.com/office/powerpoint/2010/main" val="1126043421"/>
       </p:ext>
     </p:extLst>
   </p:cSld>

--- a/Lectures/IS452Fall2017Week01.pptx
+++ b/Lectures/IS452Fall2017Week01.pptx
@@ -3844,6 +3844,13 @@
   <p:clrMapOvr>
     <a:masterClrMapping/>
   </p:clrMapOvr>
+  <p:timing>
+    <p:tnLst>
+      <p:par>
+        <p:cTn id="1" dur="indefinite" restart="never" nodeType="tmRoot"/>
+      </p:par>
+    </p:tnLst>
+  </p:timing>
 </p:sld>
 </file>
 
@@ -4027,6 +4034,13 @@
   <p:clrMapOvr>
     <a:masterClrMapping/>
   </p:clrMapOvr>
+  <p:timing>
+    <p:tnLst>
+      <p:par>
+        <p:cTn id="1" dur="indefinite" restart="never" nodeType="tmRoot"/>
+      </p:par>
+    </p:tnLst>
+  </p:timing>
 </p:sld>
 </file>
 
@@ -4248,6 +4262,13 @@
   <p:clrMapOvr>
     <a:masterClrMapping/>
   </p:clrMapOvr>
+  <p:timing>
+    <p:tnLst>
+      <p:par>
+        <p:cTn id="1" dur="indefinite" restart="never" nodeType="tmRoot"/>
+      </p:par>
+    </p:tnLst>
+  </p:timing>
 </p:sld>
 </file>
 
@@ -4380,6 +4401,13 @@
   <p:clrMapOvr>
     <a:masterClrMapping/>
   </p:clrMapOvr>
+  <p:timing>
+    <p:tnLst>
+      <p:par>
+        <p:cTn id="1" dur="indefinite" restart="never" nodeType="tmRoot"/>
+      </p:par>
+    </p:tnLst>
+  </p:timing>
 </p:sld>
 </file>
 
@@ -4553,6 +4581,13 @@
   <p:clrMapOvr>
     <a:masterClrMapping/>
   </p:clrMapOvr>
+  <p:timing>
+    <p:tnLst>
+      <p:par>
+        <p:cTn id="1" dur="indefinite" restart="never" nodeType="tmRoot"/>
+      </p:par>
+    </p:tnLst>
+  </p:timing>
 </p:sld>
 </file>
 
@@ -4690,6 +4725,13 @@
   <p:clrMapOvr>
     <a:masterClrMapping/>
   </p:clrMapOvr>
+  <p:timing>
+    <p:tnLst>
+      <p:par>
+        <p:cTn id="1" dur="indefinite" restart="never" nodeType="tmRoot"/>
+      </p:par>
+    </p:tnLst>
+  </p:timing>
 </p:sld>
 </file>
 
@@ -4863,6 +4905,13 @@
   <p:clrMapOvr>
     <a:masterClrMapping/>
   </p:clrMapOvr>
+  <p:timing>
+    <p:tnLst>
+      <p:par>
+        <p:cTn id="1" dur="indefinite" restart="never" nodeType="tmRoot"/>
+      </p:par>
+    </p:tnLst>
+  </p:timing>
 </p:sld>
 </file>
 
@@ -4995,6 +5044,13 @@
   <p:clrMapOvr>
     <a:masterClrMapping/>
   </p:clrMapOvr>
+  <p:timing>
+    <p:tnLst>
+      <p:par>
+        <p:cTn id="1" dur="indefinite" restart="never" nodeType="tmRoot"/>
+      </p:par>
+    </p:tnLst>
+  </p:timing>
 </p:sld>
 </file>
 
@@ -5202,6 +5258,13 @@
   <p:clrMapOvr>
     <a:masterClrMapping/>
   </p:clrMapOvr>
+  <p:timing>
+    <p:tnLst>
+      <p:par>
+        <p:cTn id="1" dur="indefinite" restart="never" nodeType="tmRoot"/>
+      </p:par>
+    </p:tnLst>
+  </p:timing>
 </p:sld>
 </file>
 
@@ -5298,6 +5361,13 @@
   <p:clrMapOvr>
     <a:masterClrMapping/>
   </p:clrMapOvr>
+  <p:timing>
+    <p:tnLst>
+      <p:par>
+        <p:cTn id="1" dur="indefinite" restart="never" nodeType="tmRoot"/>
+      </p:par>
+    </p:tnLst>
+  </p:timing>
 </p:sld>
 </file>
 
@@ -5380,6 +5450,13 @@
   <p:clrMapOvr>
     <a:masterClrMapping/>
   </p:clrMapOvr>
+  <p:timing>
+    <p:tnLst>
+      <p:par>
+        <p:cTn id="1" dur="indefinite" restart="never" nodeType="tmRoot"/>
+      </p:par>
+    </p:tnLst>
+  </p:timing>
 </p:sld>
 </file>
 
@@ -5551,6 +5628,13 @@
   <p:clrMapOvr>
     <a:masterClrMapping/>
   </p:clrMapOvr>
+  <p:timing>
+    <p:tnLst>
+      <p:par>
+        <p:cTn id="1" dur="indefinite" restart="never" nodeType="tmRoot"/>
+      </p:par>
+    </p:tnLst>
+  </p:timing>
 </p:sld>
 </file>
 
@@ -5663,6 +5747,13 @@
   <p:clrMapOvr>
     <a:masterClrMapping/>
   </p:clrMapOvr>
+  <p:timing>
+    <p:tnLst>
+      <p:par>
+        <p:cTn id="1" dur="indefinite" restart="never" nodeType="tmRoot"/>
+      </p:par>
+    </p:tnLst>
+  </p:timing>
 </p:sld>
 </file>
 
@@ -5792,6 +5883,13 @@
   <p:clrMapOvr>
     <a:masterClrMapping/>
   </p:clrMapOvr>
+  <p:timing>
+    <p:tnLst>
+      <p:par>
+        <p:cTn id="1" dur="indefinite" restart="never" nodeType="tmRoot"/>
+      </p:par>
+    </p:tnLst>
+  </p:timing>
 </p:sld>
 </file>
 
@@ -5919,6 +6017,13 @@
   <p:clrMapOvr>
     <a:masterClrMapping/>
   </p:clrMapOvr>
+  <p:timing>
+    <p:tnLst>
+      <p:par>
+        <p:cTn id="1" dur="indefinite" restart="never" nodeType="tmRoot"/>
+      </p:par>
+    </p:tnLst>
+  </p:timing>
 </p:sld>
 </file>
 
@@ -6051,6 +6156,13 @@
   <p:clrMapOvr>
     <a:masterClrMapping/>
   </p:clrMapOvr>
+  <p:timing>
+    <p:tnLst>
+      <p:par>
+        <p:cTn id="1" dur="indefinite" restart="never" nodeType="tmRoot"/>
+      </p:par>
+    </p:tnLst>
+  </p:timing>
 </p:sld>
 </file>
 
@@ -6160,6 +6272,13 @@
   <p:clrMapOvr>
     <a:masterClrMapping/>
   </p:clrMapOvr>
+  <p:timing>
+    <p:tnLst>
+      <p:par>
+        <p:cTn id="1" dur="indefinite" restart="never" nodeType="tmRoot"/>
+      </p:par>
+    </p:tnLst>
+  </p:timing>
 </p:sld>
 </file>
 
@@ -6271,6 +6390,13 @@
   <p:clrMapOvr>
     <a:masterClrMapping/>
   </p:clrMapOvr>
+  <p:timing>
+    <p:tnLst>
+      <p:par>
+        <p:cTn id="1" dur="indefinite" restart="never" nodeType="tmRoot"/>
+      </p:par>
+    </p:tnLst>
+  </p:timing>
 </p:sld>
 </file>
 
@@ -6330,6 +6456,13 @@
   <p:clrMapOvr>
     <a:masterClrMapping/>
   </p:clrMapOvr>
+  <p:timing>
+    <p:tnLst>
+      <p:par>
+        <p:cTn id="1" dur="indefinite" restart="never" nodeType="tmRoot"/>
+      </p:par>
+    </p:tnLst>
+  </p:timing>
 </p:sld>
 </file>
 
@@ -6481,6 +6614,13 @@
   <p:clrMapOvr>
     <a:masterClrMapping/>
   </p:clrMapOvr>
+  <p:timing>
+    <p:tnLst>
+      <p:par>
+        <p:cTn id="1" dur="indefinite" restart="never" nodeType="tmRoot"/>
+      </p:par>
+    </p:tnLst>
+  </p:timing>
 </p:sld>
 </file>
 
@@ -6691,6 +6831,13 @@
   <p:clrMapOvr>
     <a:masterClrMapping/>
   </p:clrMapOvr>
+  <p:timing>
+    <p:tnLst>
+      <p:par>
+        <p:cTn id="1" dur="indefinite" restart="never" nodeType="tmRoot"/>
+      </p:par>
+    </p:tnLst>
+  </p:timing>
 </p:sld>
 </file>
 
@@ -7074,6 +7221,13 @@
   <p:clrMapOvr>
     <a:masterClrMapping/>
   </p:clrMapOvr>
+  <p:timing>
+    <p:tnLst>
+      <p:par>
+        <p:cTn id="1" dur="indefinite" restart="never" nodeType="tmRoot"/>
+      </p:par>
+    </p:tnLst>
+  </p:timing>
 </p:sld>
 </file>
 
@@ -7261,6 +7415,13 @@
   <p:clrMapOvr>
     <a:masterClrMapping/>
   </p:clrMapOvr>
+  <p:timing>
+    <p:tnLst>
+      <p:par>
+        <p:cTn id="1" dur="indefinite" restart="never" nodeType="tmRoot"/>
+      </p:par>
+    </p:tnLst>
+  </p:timing>
 </p:sld>
 </file>
 
@@ -7368,6 +7529,13 @@
   <p:clrMapOvr>
     <a:masterClrMapping/>
   </p:clrMapOvr>
+  <p:timing>
+    <p:tnLst>
+      <p:par>
+        <p:cTn id="1" dur="indefinite" restart="never" nodeType="tmRoot"/>
+      </p:par>
+    </p:tnLst>
+  </p:timing>
 </p:sld>
 </file>
 
@@ -7500,6 +7668,13 @@
   <p:clrMapOvr>
     <a:masterClrMapping/>
   </p:clrMapOvr>
+  <p:timing>
+    <p:tnLst>
+      <p:par>
+        <p:cTn id="1" dur="indefinite" restart="never" nodeType="tmRoot"/>
+      </p:par>
+    </p:tnLst>
+  </p:timing>
 </p:sld>
 </file>
 
@@ -7750,6 +7925,13 @@
   <p:clrMapOvr>
     <a:masterClrMapping/>
   </p:clrMapOvr>
+  <p:timing>
+    <p:tnLst>
+      <p:par>
+        <p:cTn id="1" dur="indefinite" restart="never" nodeType="tmRoot"/>
+      </p:par>
+    </p:tnLst>
+  </p:timing>
 </p:sld>
 </file>
 
@@ -8173,6 +8355,13 @@
   <p:clrMapOvr>
     <a:masterClrMapping/>
   </p:clrMapOvr>
+  <p:timing>
+    <p:tnLst>
+      <p:par>
+        <p:cTn id="1" dur="indefinite" restart="never" nodeType="tmRoot"/>
+      </p:par>
+    </p:tnLst>
+  </p:timing>
 </p:sld>
 </file>
 
@@ -8309,6 +8498,13 @@
   <p:clrMapOvr>
     <a:masterClrMapping/>
   </p:clrMapOvr>
+  <p:timing>
+    <p:tnLst>
+      <p:par>
+        <p:cTn id="1" dur="indefinite" restart="never" nodeType="tmRoot"/>
+      </p:par>
+    </p:tnLst>
+  </p:timing>
 </p:sld>
 </file>
 
@@ -8560,6 +8756,13 @@
   <p:clrMapOvr>
     <a:masterClrMapping/>
   </p:clrMapOvr>
+  <p:timing>
+    <p:tnLst>
+      <p:par>
+        <p:cTn id="1" dur="indefinite" restart="never" nodeType="tmRoot"/>
+      </p:par>
+    </p:tnLst>
+  </p:timing>
 </p:sld>
 </file>
 
@@ -8702,6 +8905,13 @@
   <p:clrMapOvr>
     <a:masterClrMapping/>
   </p:clrMapOvr>
+  <p:timing>
+    <p:tnLst>
+      <p:par>
+        <p:cTn id="1" dur="indefinite" restart="never" nodeType="tmRoot"/>
+      </p:par>
+    </p:tnLst>
+  </p:timing>
 </p:sld>
 </file>
 
@@ -8761,6 +8971,13 @@
   <p:clrMapOvr>
     <a:masterClrMapping/>
   </p:clrMapOvr>
+  <p:timing>
+    <p:tnLst>
+      <p:par>
+        <p:cTn id="1" dur="indefinite" restart="never" nodeType="tmRoot"/>
+      </p:par>
+    </p:tnLst>
+  </p:timing>
 </p:sld>
 </file>
 
@@ -8858,6 +9075,13 @@
   <p:clrMapOvr>
     <a:masterClrMapping/>
   </p:clrMapOvr>
+  <p:timing>
+    <p:tnLst>
+      <p:par>
+        <p:cTn id="1" dur="indefinite" restart="never" nodeType="tmRoot"/>
+      </p:par>
+    </p:tnLst>
+  </p:timing>
 </p:sld>
 </file>
 
@@ -8953,6 +9177,13 @@
   <p:clrMapOvr>
     <a:masterClrMapping/>
   </p:clrMapOvr>
+  <p:timing>
+    <p:tnLst>
+      <p:par>
+        <p:cTn id="1" dur="indefinite" restart="never" nodeType="tmRoot"/>
+      </p:par>
+    </p:tnLst>
+  </p:timing>
 </p:sld>
 </file>
 
@@ -9115,6 +9346,13 @@
   <p:clrMapOvr>
     <a:masterClrMapping/>
   </p:clrMapOvr>
+  <p:timing>
+    <p:tnLst>
+      <p:par>
+        <p:cTn id="1" dur="indefinite" restart="never" nodeType="tmRoot"/>
+      </p:par>
+    </p:tnLst>
+  </p:timing>
 </p:sld>
 </file>
 
@@ -9198,6 +9436,13 @@
   <p:clrMapOvr>
     <a:masterClrMapping/>
   </p:clrMapOvr>
+  <p:timing>
+    <p:tnLst>
+      <p:par>
+        <p:cTn id="1" dur="indefinite" restart="never" nodeType="tmRoot"/>
+      </p:par>
+    </p:tnLst>
+  </p:timing>
 </p:sld>
 </file>
 
@@ -9281,6 +9526,13 @@
   <p:clrMapOvr>
     <a:masterClrMapping/>
   </p:clrMapOvr>
+  <p:timing>
+    <p:tnLst>
+      <p:par>
+        <p:cTn id="1" dur="indefinite" restart="never" nodeType="tmRoot"/>
+      </p:par>
+    </p:tnLst>
+  </p:timing>
 </p:sld>
 </file>
 
@@ -9361,6 +9613,13 @@
   <p:clrMapOvr>
     <a:masterClrMapping/>
   </p:clrMapOvr>
+  <p:timing>
+    <p:tnLst>
+      <p:par>
+        <p:cTn id="1" dur="indefinite" restart="never" nodeType="tmRoot"/>
+      </p:par>
+    </p:tnLst>
+  </p:timing>
 </p:sld>
 </file>
 
@@ -9544,6 +9803,13 @@
   <p:clrMapOvr>
     <a:masterClrMapping/>
   </p:clrMapOvr>
+  <p:timing>
+    <p:tnLst>
+      <p:par>
+        <p:cTn id="1" dur="indefinite" restart="never" nodeType="tmRoot"/>
+      </p:par>
+    </p:tnLst>
+  </p:timing>
 </p:sld>
 </file>
 
@@ -9798,6 +10064,13 @@
   <p:clrMapOvr>
     <a:masterClrMapping/>
   </p:clrMapOvr>
+  <p:timing>
+    <p:tnLst>
+      <p:par>
+        <p:cTn id="1" dur="indefinite" restart="never" nodeType="tmRoot"/>
+      </p:par>
+    </p:tnLst>
+  </p:timing>
 </p:sld>
 </file>
 
@@ -9935,6 +10208,13 @@
   <p:clrMapOvr>
     <a:masterClrMapping/>
   </p:clrMapOvr>
+  <p:timing>
+    <p:tnLst>
+      <p:par>
+        <p:cTn id="1" dur="indefinite" restart="never" nodeType="tmRoot"/>
+      </p:par>
+    </p:tnLst>
+  </p:timing>
 </p:sld>
 </file>
 
@@ -10054,6 +10334,13 @@
   <p:clrMapOvr>
     <a:masterClrMapping/>
   </p:clrMapOvr>
+  <p:timing>
+    <p:tnLst>
+      <p:par>
+        <p:cTn id="1" dur="indefinite" restart="never" nodeType="tmRoot"/>
+      </p:par>
+    </p:tnLst>
+  </p:timing>
 </p:sld>
 </file>
 
@@ -10228,6 +10515,13 @@
   <p:clrMapOvr>
     <a:masterClrMapping/>
   </p:clrMapOvr>
+  <p:timing>
+    <p:tnLst>
+      <p:par>
+        <p:cTn id="1" dur="indefinite" restart="never" nodeType="tmRoot"/>
+      </p:par>
+    </p:tnLst>
+  </p:timing>
 </p:sld>
 </file>
 
